--- a/docs/PSI18H_M16_ApresentacaoDefesa_2218025_FabioRamos.pptx
+++ b/docs/PSI18H_M16_ApresentacaoDefesa_2218025_FabioRamos.pptx
@@ -309,7 +309,7 @@
           <a:p>
             <a:fld id="{48A87A34-81AB-432B-8DAE-1953F412C126}" type="datetimeFigureOut">
               <a:rPr lang="en-US" smtClean="0"/>
-              <a:t>6/29/2020</a:t>
+              <a:t>6/30/2020</a:t>
             </a:fld>
             <a:endParaRPr lang="en-US" dirty="0"/>
           </a:p>
@@ -648,7 +648,7 @@
             <a:fld id="{48A87A34-81AB-432B-8DAE-1953F412C126}" type="datetimeFigureOut">
               <a:rPr lang="en-US" smtClean="0"/>
               <a:pPr/>
-              <a:t>6/29/2020</a:t>
+              <a:t>6/30/2020</a:t>
             </a:fld>
             <a:endParaRPr lang="en-US" dirty="0"/>
           </a:p>
@@ -1051,7 +1051,7 @@
             <a:fld id="{48A87A34-81AB-432B-8DAE-1953F412C126}" type="datetimeFigureOut">
               <a:rPr lang="en-US" smtClean="0"/>
               <a:pPr/>
-              <a:t>6/29/2020</a:t>
+              <a:t>6/30/2020</a:t>
             </a:fld>
             <a:endParaRPr lang="en-US" dirty="0"/>
           </a:p>
@@ -1389,7 +1389,7 @@
             <a:fld id="{48A87A34-81AB-432B-8DAE-1953F412C126}" type="datetimeFigureOut">
               <a:rPr lang="en-US" smtClean="0"/>
               <a:pPr/>
-              <a:t>6/29/2020</a:t>
+              <a:t>6/30/2020</a:t>
             </a:fld>
             <a:endParaRPr lang="en-US" dirty="0"/>
           </a:p>
@@ -1711,7 +1711,7 @@
             <a:fld id="{48A87A34-81AB-432B-8DAE-1953F412C126}" type="datetimeFigureOut">
               <a:rPr lang="en-US" smtClean="0"/>
               <a:pPr/>
-              <a:t>6/29/2020</a:t>
+              <a:t>6/30/2020</a:t>
             </a:fld>
             <a:endParaRPr lang="en-US" dirty="0"/>
           </a:p>
@@ -2109,7 +2109,7 @@
             <a:fld id="{48A87A34-81AB-432B-8DAE-1953F412C126}" type="datetimeFigureOut">
               <a:rPr lang="en-US" smtClean="0"/>
               <a:pPr/>
-              <a:t>6/29/2020</a:t>
+              <a:t>6/30/2020</a:t>
             </a:fld>
             <a:endParaRPr lang="en-US" dirty="0"/>
           </a:p>
@@ -2367,7 +2367,7 @@
           <a:p>
             <a:fld id="{48A87A34-81AB-432B-8DAE-1953F412C126}" type="datetimeFigureOut">
               <a:rPr lang="en-US" smtClean="0"/>
-              <a:t>6/29/2020</a:t>
+              <a:t>6/30/2020</a:t>
             </a:fld>
             <a:endParaRPr lang="en-US" dirty="0"/>
           </a:p>
@@ -2629,7 +2629,7 @@
           <a:p>
             <a:fld id="{48A87A34-81AB-432B-8DAE-1953F412C126}" type="datetimeFigureOut">
               <a:rPr lang="en-US" smtClean="0"/>
-              <a:t>6/29/2020</a:t>
+              <a:t>6/30/2020</a:t>
             </a:fld>
             <a:endParaRPr lang="en-US" dirty="0"/>
           </a:p>
@@ -2891,7 +2891,7 @@
           <a:p>
             <a:fld id="{48A87A34-81AB-432B-8DAE-1953F412C126}" type="datetimeFigureOut">
               <a:rPr lang="en-US" smtClean="0"/>
-              <a:t>6/29/2020</a:t>
+              <a:t>6/30/2020</a:t>
             </a:fld>
             <a:endParaRPr lang="en-US" dirty="0"/>
           </a:p>
@@ -3220,7 +3220,7 @@
           <a:p>
             <a:fld id="{48A87A34-81AB-432B-8DAE-1953F412C126}" type="datetimeFigureOut">
               <a:rPr lang="en-US" smtClean="0"/>
-              <a:t>6/29/2020</a:t>
+              <a:t>6/30/2020</a:t>
             </a:fld>
             <a:endParaRPr lang="en-US" dirty="0"/>
           </a:p>
@@ -3543,7 +3543,7 @@
           <a:p>
             <a:fld id="{48A87A34-81AB-432B-8DAE-1953F412C126}" type="datetimeFigureOut">
               <a:rPr lang="en-US" smtClean="0"/>
-              <a:t>6/29/2020</a:t>
+              <a:t>6/30/2020</a:t>
             </a:fld>
             <a:endParaRPr lang="en-US" dirty="0"/>
           </a:p>
@@ -4000,7 +4000,7 @@
           <a:p>
             <a:fld id="{48A87A34-81AB-432B-8DAE-1953F412C126}" type="datetimeFigureOut">
               <a:rPr lang="en-US" smtClean="0"/>
-              <a:t>6/29/2020</a:t>
+              <a:t>6/30/2020</a:t>
             </a:fld>
             <a:endParaRPr lang="en-US" dirty="0"/>
           </a:p>
@@ -4205,7 +4205,7 @@
           <a:p>
             <a:fld id="{48A87A34-81AB-432B-8DAE-1953F412C126}" type="datetimeFigureOut">
               <a:rPr lang="en-US" smtClean="0"/>
-              <a:t>6/29/2020</a:t>
+              <a:t>6/30/2020</a:t>
             </a:fld>
             <a:endParaRPr lang="en-US" dirty="0"/>
           </a:p>
@@ -4382,7 +4382,7 @@
           <a:p>
             <a:fld id="{48A87A34-81AB-432B-8DAE-1953F412C126}" type="datetimeFigureOut">
               <a:rPr lang="en-US" smtClean="0"/>
-              <a:t>6/29/2020</a:t>
+              <a:t>6/30/2020</a:t>
             </a:fld>
             <a:endParaRPr lang="en-US" dirty="0"/>
           </a:p>
@@ -4715,7 +4715,7 @@
           <a:p>
             <a:fld id="{48A87A34-81AB-432B-8DAE-1953F412C126}" type="datetimeFigureOut">
               <a:rPr lang="en-US" smtClean="0"/>
-              <a:t>6/29/2020</a:t>
+              <a:t>6/30/2020</a:t>
             </a:fld>
             <a:endParaRPr lang="en-US" dirty="0"/>
           </a:p>
@@ -5060,7 +5060,7 @@
           <a:p>
             <a:fld id="{48A87A34-81AB-432B-8DAE-1953F412C126}" type="datetimeFigureOut">
               <a:rPr lang="en-US" smtClean="0"/>
-              <a:t>6/29/2020</a:t>
+              <a:t>6/30/2020</a:t>
             </a:fld>
             <a:endParaRPr lang="en-US" dirty="0"/>
           </a:p>
@@ -7178,7 +7178,7 @@
             <a:fld id="{48A87A34-81AB-432B-8DAE-1953F412C126}" type="datetimeFigureOut">
               <a:rPr lang="en-US" smtClean="0"/>
               <a:pPr/>
-              <a:t>6/29/2020</a:t>
+              <a:t>6/30/2020</a:t>
             </a:fld>
             <a:endParaRPr lang="en-US" dirty="0"/>
           </a:p>
@@ -7884,6 +7884,56 @@
           </a:p>
         </p:txBody>
       </p:sp>
+      <p:sp>
+        <p:nvSpPr>
+          <p:cNvPr id="3" name="CaixaDeTexto 2">
+            <a:extLst>
+              <a:ext uri="{FF2B5EF4-FFF2-40B4-BE49-F238E27FC236}">
+                <a16:creationId xmlns:a16="http://schemas.microsoft.com/office/drawing/2014/main" id="{DEB4236F-82EF-4B8B-BF86-D85E2E736EC4}"/>
+              </a:ext>
+            </a:extLst>
+          </p:cNvPr>
+          <p:cNvSpPr txBox="1"/>
+          <p:nvPr/>
+        </p:nvSpPr>
+        <p:spPr>
+          <a:xfrm>
+            <a:off x="9364338" y="5711386"/>
+            <a:ext cx="2413590" cy="1015663"/>
+          </a:xfrm>
+          <a:prstGeom prst="rect">
+            <a:avLst/>
+          </a:prstGeom>
+          <a:noFill/>
+        </p:spPr>
+        <p:txBody>
+          <a:bodyPr wrap="square" rtlCol="0">
+            <a:spAutoFit/>
+          </a:bodyPr>
+          <a:lstStyle/>
+          <a:p>
+            <a:pPr algn="r"/>
+            <a:r>
+              <a:rPr lang="pt-PT" sz="2000" dirty="0"/>
+              <a:t>Fábio Ramos</a:t>
+            </a:r>
+          </a:p>
+          <a:p>
+            <a:pPr algn="r"/>
+            <a:r>
+              <a:rPr lang="pt-PT" sz="2000" dirty="0"/>
+              <a:t>Turma: TGPSI2H</a:t>
+            </a:r>
+          </a:p>
+          <a:p>
+            <a:pPr algn="r"/>
+            <a:r>
+              <a:rPr lang="pt-PT" sz="2000" dirty="0"/>
+              <a:t>Nº: 2218025</a:t>
+            </a:r>
+          </a:p>
+        </p:txBody>
+      </p:sp>
     </p:spTree>
     <p:extLst>
       <p:ext uri="{BB962C8B-B14F-4D97-AF65-F5344CB8AC3E}">
@@ -8441,8 +8491,8 @@
           </p:pic>
         </mc:Fallback>
       </mc:AlternateContent>
-      <mc:AlternateContent xmlns:mc="http://schemas.openxmlformats.org/markup-compatibility/2006">
-        <mc:Choice xmlns:pslz="http://schemas.microsoft.com/office/powerpoint/2016/slidezoom" Requires="pslz">
+      <mc:AlternateContent xmlns:mc="http://schemas.openxmlformats.org/markup-compatibility/2006" xmlns:pslz="http://schemas.microsoft.com/office/powerpoint/2016/slidezoom">
+        <mc:Choice Requires="pslz">
           <p:graphicFrame>
             <p:nvGraphicFramePr>
               <p:cNvPr id="23" name="Pré-visualização de Diapositivo 22">
@@ -8499,7 +8549,7 @@
             </a:graphic>
           </p:graphicFrame>
         </mc:Choice>
-        <mc:Fallback>
+        <mc:Fallback xmlns="">
           <p:pic>
             <p:nvPicPr>
               <p:cNvPr id="23" name="Pré-visualização de Diapositivo 22">
@@ -8516,7 +8566,7 @@
               <p:nvPr/>
             </p:nvPicPr>
             <p:blipFill>
-              <a:blip r:embed="rId14"/>
+              <a:blip r:embed="rId16"/>
               <a:stretch>
                 <a:fillRect/>
               </a:stretch>
@@ -8538,8 +8588,8 @@
           </p:pic>
         </mc:Fallback>
       </mc:AlternateContent>
-      <mc:AlternateContent xmlns:mc="http://schemas.openxmlformats.org/markup-compatibility/2006">
-        <mc:Choice xmlns:pslz="http://schemas.microsoft.com/office/powerpoint/2016/slidezoom" Requires="pslz">
+      <mc:AlternateContent xmlns:mc="http://schemas.openxmlformats.org/markup-compatibility/2006" xmlns:pslz="http://schemas.microsoft.com/office/powerpoint/2016/slidezoom">
+        <mc:Choice Requires="pslz">
           <p:graphicFrame>
             <p:nvGraphicFramePr>
               <p:cNvPr id="48" name="Pré-visualização de Diapositivo 47">
@@ -8570,7 +8620,7 @@
                   <pslz:sldZmObj sldId="264" cId="2217798959">
                     <pslz:zmPr id="{35EA84EC-498A-461B-AB77-6620032472F4}" returnToParent="0" transitionDur="1000">
                       <p166:blipFill xmlns:p166="http://schemas.microsoft.com/office/powerpoint/2016/6/main">
-                        <a:blip r:embed="rId16"/>
+                        <a:blip r:embed="rId17"/>
                         <a:stretch>
                           <a:fillRect/>
                         </a:stretch>
@@ -8596,11 +8646,11 @@
             </a:graphic>
           </p:graphicFrame>
         </mc:Choice>
-        <mc:Fallback>
+        <mc:Fallback xmlns="">
           <p:pic>
             <p:nvPicPr>
               <p:cNvPr id="48" name="Pré-visualização de Diapositivo 47">
-                <a:hlinkClick r:id="rId17" action="ppaction://hlinksldjump"/>
+                <a:hlinkClick r:id="rId18" action="ppaction://hlinksldjump"/>
                 <a:extLst>
                   <a:ext uri="{FF2B5EF4-FFF2-40B4-BE49-F238E27FC236}">
                     <a16:creationId xmlns:a16="http://schemas.microsoft.com/office/drawing/2014/main" id="{BCEE97C4-6152-4A2B-BC20-3B05A739C906}"/>
@@ -8613,7 +8663,7 @@
               <p:nvPr/>
             </p:nvPicPr>
             <p:blipFill>
-              <a:blip r:embed="rId16"/>
+              <a:blip r:embed="rId19"/>
               <a:stretch>
                 <a:fillRect/>
               </a:stretch>
@@ -8635,8 +8685,8 @@
           </p:pic>
         </mc:Fallback>
       </mc:AlternateContent>
-      <mc:AlternateContent xmlns:mc="http://schemas.openxmlformats.org/markup-compatibility/2006">
-        <mc:Choice xmlns:pslz="http://schemas.microsoft.com/office/powerpoint/2016/slidezoom" Requires="pslz">
+      <mc:AlternateContent xmlns:mc="http://schemas.openxmlformats.org/markup-compatibility/2006" xmlns:pslz="http://schemas.microsoft.com/office/powerpoint/2016/slidezoom">
+        <mc:Choice Requires="pslz">
           <p:graphicFrame>
             <p:nvGraphicFramePr>
               <p:cNvPr id="50" name="Pré-visualização de Diapositivo 49">
@@ -8667,7 +8717,7 @@
                   <pslz:sldZmObj sldId="265" cId="730984734">
                     <pslz:zmPr id="{ECCEE793-1ECD-4BA0-B5E1-1E498089BC41}" returnToParent="0" transitionDur="1000">
                       <p166:blipFill xmlns:p166="http://schemas.microsoft.com/office/powerpoint/2016/6/main">
-                        <a:blip r:embed="rId18"/>
+                        <a:blip r:embed="rId20"/>
                         <a:stretch>
                           <a:fillRect/>
                         </a:stretch>
@@ -8693,11 +8743,11 @@
             </a:graphic>
           </p:graphicFrame>
         </mc:Choice>
-        <mc:Fallback>
+        <mc:Fallback xmlns="">
           <p:pic>
             <p:nvPicPr>
               <p:cNvPr id="50" name="Pré-visualização de Diapositivo 49">
-                <a:hlinkClick r:id="rId19" action="ppaction://hlinksldjump"/>
+                <a:hlinkClick r:id="rId21" action="ppaction://hlinksldjump"/>
                 <a:extLst>
                   <a:ext uri="{FF2B5EF4-FFF2-40B4-BE49-F238E27FC236}">
                     <a16:creationId xmlns:a16="http://schemas.microsoft.com/office/drawing/2014/main" id="{90BAF22E-E7B6-4AC9-B8C6-B4A1A67AA425}"/>
@@ -8710,7 +8760,7 @@
               <p:nvPr/>
             </p:nvPicPr>
             <p:blipFill>
-              <a:blip r:embed="rId18"/>
+              <a:blip r:embed="rId22"/>
               <a:stretch>
                 <a:fillRect/>
               </a:stretch>
@@ -8732,8 +8782,8 @@
           </p:pic>
         </mc:Fallback>
       </mc:AlternateContent>
-      <mc:AlternateContent xmlns:mc="http://schemas.openxmlformats.org/markup-compatibility/2006">
-        <mc:Choice xmlns:pslz="http://schemas.microsoft.com/office/powerpoint/2016/slidezoom" Requires="pslz">
+      <mc:AlternateContent xmlns:mc="http://schemas.openxmlformats.org/markup-compatibility/2006" xmlns:pslz="http://schemas.microsoft.com/office/powerpoint/2016/slidezoom">
+        <mc:Choice Requires="pslz">
           <p:graphicFrame>
             <p:nvGraphicFramePr>
               <p:cNvPr id="4" name="Pré-visualização de Diapositivo 3">
@@ -8764,7 +8814,7 @@
                   <pslz:sldZmObj sldId="266" cId="3124149782">
                     <pslz:zmPr id="{F378258F-2928-4CE3-AA7D-49E89E3A7426}" returnToParent="0" transitionDur="1000">
                       <p166:blipFill xmlns:p166="http://schemas.microsoft.com/office/powerpoint/2016/6/main">
-                        <a:blip r:embed="rId20"/>
+                        <a:blip r:embed="rId23"/>
                         <a:stretch>
                           <a:fillRect/>
                         </a:stretch>
@@ -8790,11 +8840,11 @@
             </a:graphic>
           </p:graphicFrame>
         </mc:Choice>
-        <mc:Fallback>
+        <mc:Fallback xmlns="">
           <p:pic>
             <p:nvPicPr>
               <p:cNvPr id="4" name="Pré-visualização de Diapositivo 3">
-                <a:hlinkClick r:id="rId21" action="ppaction://hlinksldjump"/>
+                <a:hlinkClick r:id="rId24" action="ppaction://hlinksldjump"/>
                 <a:extLst>
                   <a:ext uri="{FF2B5EF4-FFF2-40B4-BE49-F238E27FC236}">
                     <a16:creationId xmlns:a16="http://schemas.microsoft.com/office/drawing/2014/main" id="{58F5D47C-468D-4E0C-8041-86581D0FAD66}"/>
@@ -8807,7 +8857,7 @@
               <p:nvPr/>
             </p:nvPicPr>
             <p:blipFill>
-              <a:blip r:embed="rId20"/>
+              <a:blip r:embed="rId25"/>
               <a:stretch>
                 <a:fillRect/>
               </a:stretch>
